--- a/ppt/angular/Angular11-Components.pptx
+++ b/ppt/angular/Angular11-Components.pptx
@@ -5,17 +5,27 @@
     <p:sldMasterId id="2147483653" r:id="rId1"/>
   </p:sldMasterIdLst>
   <p:notesMasterIdLst>
-    <p:notesMasterId r:id="rId7"/>
+    <p:notesMasterId r:id="rId17"/>
   </p:notesMasterIdLst>
   <p:handoutMasterIdLst>
-    <p:handoutMasterId r:id="rId8"/>
+    <p:handoutMasterId r:id="rId18"/>
   </p:handoutMasterIdLst>
   <p:sldIdLst>
     <p:sldId id="264" r:id="rId2"/>
     <p:sldId id="330" r:id="rId3"/>
     <p:sldId id="331" r:id="rId4"/>
-    <p:sldId id="332" r:id="rId5"/>
-    <p:sldId id="333" r:id="rId6"/>
+    <p:sldId id="334" r:id="rId5"/>
+    <p:sldId id="332" r:id="rId6"/>
+    <p:sldId id="333" r:id="rId7"/>
+    <p:sldId id="338" r:id="rId8"/>
+    <p:sldId id="339" r:id="rId9"/>
+    <p:sldId id="337" r:id="rId10"/>
+    <p:sldId id="340" r:id="rId11"/>
+    <p:sldId id="341" r:id="rId12"/>
+    <p:sldId id="342" r:id="rId13"/>
+    <p:sldId id="343" r:id="rId14"/>
+    <p:sldId id="344" r:id="rId15"/>
+    <p:sldId id="345" r:id="rId16"/>
   </p:sldIdLst>
   <p:sldSz cx="9144000" cy="6858000" type="screen4x3"/>
   <p:notesSz cx="6648450" cy="9782175"/>
@@ -3700,8 +3710,13 @@
             <a:pPr eaLnBrk="1" hangingPunct="1"/>
             <a:r>
               <a:rPr lang="fr-FR" altLang="fr-FR" dirty="0" smtClean="0"/>
-              <a:t>Les composants avancés</a:t>
-            </a:r>
+              <a:t>Les </a:t>
+            </a:r>
+            <a:r>
+              <a:rPr lang="fr-FR" altLang="fr-FR" smtClean="0"/>
+              <a:t>composants paramétrés</a:t>
+            </a:r>
+            <a:endParaRPr lang="fr-FR" altLang="fr-FR" dirty="0" smtClean="0"/>
           </a:p>
         </p:txBody>
       </p:sp>
@@ -3943,6 +3958,1138 @@
 </p:sld>
 </file>
 
+<file path=ppt/slides/slide10.xml><?xml version="1.0" encoding="utf-8"?>
+<p:sld xmlns:a="http://schemas.openxmlformats.org/drawingml/2006/main" xmlns:r="http://schemas.openxmlformats.org/officeDocument/2006/relationships" xmlns:p="http://schemas.openxmlformats.org/presentationml/2006/main">
+  <p:cSld>
+    <p:spTree>
+      <p:nvGrpSpPr>
+        <p:cNvPr id="1" name=""/>
+        <p:cNvGrpSpPr/>
+        <p:nvPr/>
+      </p:nvGrpSpPr>
+      <p:grpSpPr>
+        <a:xfrm>
+          <a:off x="0" y="0"/>
+          <a:ext cx="0" cy="0"/>
+          <a:chOff x="0" y="0"/>
+          <a:chExt cx="0" cy="0"/>
+        </a:xfrm>
+      </p:grpSpPr>
+      <p:sp>
+        <p:nvSpPr>
+          <p:cNvPr id="2" name="Titre 1"/>
+          <p:cNvSpPr>
+            <a:spLocks noGrp="1"/>
+          </p:cNvSpPr>
+          <p:nvPr>
+            <p:ph type="title"/>
+          </p:nvPr>
+        </p:nvSpPr>
+        <p:spPr/>
+        <p:txBody>
+          <a:bodyPr/>
+          <a:lstStyle/>
+          <a:p>
+            <a:r>
+              <a:rPr lang="fr-FR" dirty="0" smtClean="0"/>
+              <a:t>Binding one </a:t>
+            </a:r>
+            <a:r>
+              <a:rPr lang="fr-FR" dirty="0" err="1" smtClean="0"/>
+              <a:t>way</a:t>
+            </a:r>
+            <a:endParaRPr lang="fr-FR" dirty="0"/>
+          </a:p>
+        </p:txBody>
+      </p:sp>
+      <p:sp>
+        <p:nvSpPr>
+          <p:cNvPr id="3" name="Espace réservé du contenu 2"/>
+          <p:cNvSpPr>
+            <a:spLocks noGrp="1"/>
+          </p:cNvSpPr>
+          <p:nvPr>
+            <p:ph idx="1"/>
+          </p:nvPr>
+        </p:nvSpPr>
+        <p:spPr/>
+        <p:txBody>
+          <a:bodyPr/>
+          <a:lstStyle/>
+          <a:p>
+            <a:r>
+              <a:rPr lang="fr-FR" dirty="0" smtClean="0"/>
+              <a:t>Elément</a:t>
+            </a:r>
+          </a:p>
+          <a:p>
+            <a:pPr lvl="1"/>
+            <a:r>
+              <a:rPr lang="fr-FR" dirty="0" smtClean="0"/>
+              <a:t>{{ }}</a:t>
+            </a:r>
+          </a:p>
+          <a:p>
+            <a:r>
+              <a:rPr lang="fr-FR" dirty="0" smtClean="0"/>
+              <a:t>Attribut</a:t>
+            </a:r>
+            <a:endParaRPr lang="fr-FR" dirty="0"/>
+          </a:p>
+          <a:p>
+            <a:pPr lvl="1"/>
+            <a:r>
+              <a:rPr lang="en-US" dirty="0"/>
+              <a:t>&lt;button [</a:t>
+            </a:r>
+            <a:r>
+              <a:rPr lang="en-US" dirty="0" err="1"/>
+              <a:t>attr.aria</a:t>
+            </a:r>
+            <a:r>
+              <a:rPr lang="en-US" dirty="0"/>
+              <a:t>-label]="help"&gt;help&lt;/button</a:t>
+            </a:r>
+            <a:r>
+              <a:rPr lang="en-US" dirty="0" smtClean="0"/>
+              <a:t>&gt;</a:t>
+            </a:r>
+          </a:p>
+          <a:p>
+            <a:r>
+              <a:rPr lang="en-US" dirty="0" smtClean="0"/>
+              <a:t>Class</a:t>
+            </a:r>
+          </a:p>
+          <a:p>
+            <a:pPr lvl="1"/>
+            <a:r>
+              <a:rPr lang="fr-FR" dirty="0"/>
+              <a:t>&lt;div [</a:t>
+            </a:r>
+            <a:r>
+              <a:rPr lang="fr-FR" dirty="0" err="1"/>
+              <a:t>class.special</a:t>
+            </a:r>
+            <a:r>
+              <a:rPr lang="fr-FR" dirty="0"/>
+              <a:t>]="</a:t>
+            </a:r>
+            <a:r>
+              <a:rPr lang="fr-FR" dirty="0" err="1"/>
+              <a:t>isSpecial</a:t>
+            </a:r>
+            <a:r>
+              <a:rPr lang="fr-FR" dirty="0"/>
+              <a:t>"&gt;</a:t>
+            </a:r>
+            <a:r>
+              <a:rPr lang="fr-FR" dirty="0" err="1"/>
+              <a:t>Special</a:t>
+            </a:r>
+            <a:r>
+              <a:rPr lang="fr-FR" dirty="0"/>
+              <a:t>&lt;/div</a:t>
+            </a:r>
+            <a:r>
+              <a:rPr lang="fr-FR" dirty="0" smtClean="0"/>
+              <a:t>&gt;</a:t>
+            </a:r>
+          </a:p>
+          <a:p>
+            <a:r>
+              <a:rPr lang="fr-FR" dirty="0" smtClean="0"/>
+              <a:t>Style</a:t>
+            </a:r>
+          </a:p>
+          <a:p>
+            <a:pPr lvl="1"/>
+            <a:r>
+              <a:rPr lang="en-US" dirty="0"/>
+              <a:t>&lt;button [</a:t>
+            </a:r>
+            <a:r>
+              <a:rPr lang="en-US" dirty="0" err="1"/>
+              <a:t>style.color</a:t>
+            </a:r>
+            <a:r>
+              <a:rPr lang="en-US" dirty="0"/>
+              <a:t>]="</a:t>
+            </a:r>
+            <a:r>
+              <a:rPr lang="en-US" dirty="0" err="1"/>
+              <a:t>isSpecial</a:t>
+            </a:r>
+            <a:r>
+              <a:rPr lang="en-US" dirty="0"/>
+              <a:t> ? 'red' : 'green'"&gt;</a:t>
+            </a:r>
+            <a:endParaRPr lang="fr-FR" dirty="0"/>
+          </a:p>
+        </p:txBody>
+      </p:sp>
+    </p:spTree>
+    <p:extLst>
+      <p:ext uri="{BB962C8B-B14F-4D97-AF65-F5344CB8AC3E}">
+        <p14:creationId xmlns:p14="http://schemas.microsoft.com/office/powerpoint/2010/main" val="3256904712"/>
+      </p:ext>
+    </p:extLst>
+  </p:cSld>
+  <p:clrMapOvr>
+    <a:masterClrMapping/>
+  </p:clrMapOvr>
+</p:sld>
+</file>
+
+<file path=ppt/slides/slide11.xml><?xml version="1.0" encoding="utf-8"?>
+<p:sld xmlns:a="http://schemas.openxmlformats.org/drawingml/2006/main" xmlns:r="http://schemas.openxmlformats.org/officeDocument/2006/relationships" xmlns:p="http://schemas.openxmlformats.org/presentationml/2006/main">
+  <p:cSld>
+    <p:spTree>
+      <p:nvGrpSpPr>
+        <p:cNvPr id="1" name=""/>
+        <p:cNvGrpSpPr/>
+        <p:nvPr/>
+      </p:nvGrpSpPr>
+      <p:grpSpPr>
+        <a:xfrm>
+          <a:off x="0" y="0"/>
+          <a:ext cx="0" cy="0"/>
+          <a:chOff x="0" y="0"/>
+          <a:chExt cx="0" cy="0"/>
+        </a:xfrm>
+      </p:grpSpPr>
+      <p:sp>
+        <p:nvSpPr>
+          <p:cNvPr id="2" name="Titre 1"/>
+          <p:cNvSpPr>
+            <a:spLocks noGrp="1"/>
+          </p:cNvSpPr>
+          <p:nvPr>
+            <p:ph type="title"/>
+          </p:nvPr>
+        </p:nvSpPr>
+        <p:spPr/>
+        <p:txBody>
+          <a:bodyPr/>
+          <a:lstStyle/>
+          <a:p>
+            <a:r>
+              <a:rPr lang="fr-FR" dirty="0" smtClean="0"/>
+              <a:t>Binding ou interpolation ?</a:t>
+            </a:r>
+            <a:endParaRPr lang="fr-FR" dirty="0"/>
+          </a:p>
+        </p:txBody>
+      </p:sp>
+      <p:sp>
+        <p:nvSpPr>
+          <p:cNvPr id="3" name="Espace réservé du contenu 2"/>
+          <p:cNvSpPr>
+            <a:spLocks noGrp="1"/>
+          </p:cNvSpPr>
+          <p:nvPr>
+            <p:ph idx="1"/>
+          </p:nvPr>
+        </p:nvSpPr>
+        <p:spPr/>
+        <p:txBody>
+          <a:bodyPr/>
+          <a:lstStyle/>
+          <a:p>
+            <a:r>
+              <a:rPr lang="fr-FR" dirty="0" smtClean="0"/>
+              <a:t>Vous avez souvent le choix entre binding et interpolation</a:t>
+            </a:r>
+          </a:p>
+          <a:p>
+            <a:endParaRPr lang="fr-FR" dirty="0"/>
+          </a:p>
+          <a:p>
+            <a:endParaRPr lang="fr-FR" dirty="0" smtClean="0"/>
+          </a:p>
+          <a:p>
+            <a:endParaRPr lang="fr-FR" dirty="0"/>
+          </a:p>
+          <a:p>
+            <a:endParaRPr lang="fr-FR" dirty="0" smtClean="0"/>
+          </a:p>
+          <a:p>
+            <a:r>
+              <a:rPr lang="fr-FR" dirty="0" smtClean="0"/>
+              <a:t>Le binding est plus sécurisé</a:t>
+            </a:r>
+          </a:p>
+          <a:p>
+            <a:pPr lvl="1"/>
+            <a:r>
+              <a:rPr lang="fr-FR" dirty="0" smtClean="0"/>
+              <a:t>Imaginez que</a:t>
+            </a:r>
+          </a:p>
+          <a:p>
+            <a:pPr lvl="1"/>
+            <a:r>
+              <a:rPr lang="fr-FR" dirty="0" err="1" smtClean="0"/>
+              <a:t>title</a:t>
+            </a:r>
+            <a:r>
+              <a:rPr lang="fr-FR" dirty="0" smtClean="0"/>
+              <a:t> = '</a:t>
+            </a:r>
+            <a:r>
+              <a:rPr lang="en-US" dirty="0" smtClean="0"/>
+              <a:t>Hello &lt;script&gt;alert</a:t>
+            </a:r>
+            <a:r>
+              <a:rPr lang="en-US" dirty="0"/>
+              <a:t>("evil never sleeps")&lt;/script</a:t>
+            </a:r>
+            <a:r>
+              <a:rPr lang="en-US" dirty="0" smtClean="0"/>
+              <a:t>&gt;';</a:t>
+            </a:r>
+            <a:endParaRPr lang="fr-FR" dirty="0" smtClean="0"/>
+          </a:p>
+          <a:p>
+            <a:endParaRPr lang="fr-FR" dirty="0"/>
+          </a:p>
+        </p:txBody>
+      </p:sp>
+      <p:pic>
+        <p:nvPicPr>
+          <p:cNvPr id="4" name="Image 3"/>
+          <p:cNvPicPr>
+            <a:picLocks noChangeAspect="1"/>
+          </p:cNvPicPr>
+          <p:nvPr/>
+        </p:nvPicPr>
+        <p:blipFill>
+          <a:blip r:embed="rId2"/>
+          <a:stretch>
+            <a:fillRect/>
+          </a:stretch>
+        </p:blipFill>
+        <p:spPr>
+          <a:xfrm>
+            <a:off x="899592" y="2492896"/>
+            <a:ext cx="7997618" cy="1728192"/>
+          </a:xfrm>
+          <a:prstGeom prst="rect">
+            <a:avLst/>
+          </a:prstGeom>
+        </p:spPr>
+      </p:pic>
+    </p:spTree>
+    <p:extLst>
+      <p:ext uri="{BB962C8B-B14F-4D97-AF65-F5344CB8AC3E}">
+        <p14:creationId xmlns:p14="http://schemas.microsoft.com/office/powerpoint/2010/main" val="1873627078"/>
+      </p:ext>
+    </p:extLst>
+  </p:cSld>
+  <p:clrMapOvr>
+    <a:masterClrMapping/>
+  </p:clrMapOvr>
+</p:sld>
+</file>
+
+<file path=ppt/slides/slide12.xml><?xml version="1.0" encoding="utf-8"?>
+<p:sld xmlns:a="http://schemas.openxmlformats.org/drawingml/2006/main" xmlns:r="http://schemas.openxmlformats.org/officeDocument/2006/relationships" xmlns:p="http://schemas.openxmlformats.org/presentationml/2006/main">
+  <p:cSld>
+    <p:spTree>
+      <p:nvGrpSpPr>
+        <p:cNvPr id="1" name=""/>
+        <p:cNvGrpSpPr/>
+        <p:nvPr/>
+      </p:nvGrpSpPr>
+      <p:grpSpPr>
+        <a:xfrm>
+          <a:off x="0" y="0"/>
+          <a:ext cx="0" cy="0"/>
+          <a:chOff x="0" y="0"/>
+          <a:chExt cx="0" cy="0"/>
+        </a:xfrm>
+      </p:grpSpPr>
+      <p:sp>
+        <p:nvSpPr>
+          <p:cNvPr id="2" name="Titre 1"/>
+          <p:cNvSpPr>
+            <a:spLocks noGrp="1"/>
+          </p:cNvSpPr>
+          <p:nvPr>
+            <p:ph type="title"/>
+          </p:nvPr>
+        </p:nvSpPr>
+        <p:spPr/>
+        <p:txBody>
+          <a:bodyPr/>
+          <a:lstStyle/>
+          <a:p>
+            <a:r>
+              <a:rPr lang="fr-FR" dirty="0" smtClean="0"/>
+              <a:t>$</a:t>
+            </a:r>
+            <a:r>
+              <a:rPr lang="fr-FR" dirty="0" err="1" smtClean="0"/>
+              <a:t>event</a:t>
+            </a:r>
+            <a:endParaRPr lang="fr-FR" dirty="0"/>
+          </a:p>
+        </p:txBody>
+      </p:sp>
+      <p:sp>
+        <p:nvSpPr>
+          <p:cNvPr id="3" name="Espace réservé du contenu 2"/>
+          <p:cNvSpPr>
+            <a:spLocks noGrp="1"/>
+          </p:cNvSpPr>
+          <p:nvPr>
+            <p:ph idx="1"/>
+          </p:nvPr>
+        </p:nvSpPr>
+        <p:spPr/>
+        <p:txBody>
+          <a:bodyPr/>
+          <a:lstStyle/>
+          <a:p>
+            <a:r>
+              <a:rPr lang="fr-FR" dirty="0" smtClean="0"/>
+              <a:t>$</a:t>
+            </a:r>
+            <a:r>
+              <a:rPr lang="fr-FR" dirty="0" err="1" smtClean="0"/>
+              <a:t>event</a:t>
+            </a:r>
+            <a:r>
+              <a:rPr lang="fr-FR" dirty="0" smtClean="0"/>
+              <a:t> permet de retrouver les évènements du DOM</a:t>
+            </a:r>
+          </a:p>
+          <a:p>
+            <a:pPr lvl="1"/>
+            <a:r>
+              <a:rPr lang="fr-FR" dirty="0" smtClean="0"/>
+              <a:t>Compatible JS</a:t>
+            </a:r>
+          </a:p>
+          <a:p>
+            <a:pPr lvl="1"/>
+            <a:endParaRPr lang="fr-FR" dirty="0"/>
+          </a:p>
+          <a:p>
+            <a:pPr lvl="1"/>
+            <a:endParaRPr lang="fr-FR" dirty="0" smtClean="0"/>
+          </a:p>
+          <a:p>
+            <a:pPr lvl="1"/>
+            <a:endParaRPr lang="fr-FR" dirty="0"/>
+          </a:p>
+          <a:p>
+            <a:r>
+              <a:rPr lang="fr-FR" dirty="0" err="1" smtClean="0"/>
+              <a:t>Angular</a:t>
+            </a:r>
+            <a:r>
+              <a:rPr lang="fr-FR" dirty="0" smtClean="0"/>
+              <a:t> sait </a:t>
+            </a:r>
+            <a:r>
+              <a:rPr lang="fr-FR" dirty="0" err="1" smtClean="0"/>
+              <a:t>emettre</a:t>
+            </a:r>
+            <a:r>
+              <a:rPr lang="fr-FR" dirty="0" smtClean="0"/>
+              <a:t> un $</a:t>
+            </a:r>
+            <a:r>
+              <a:rPr lang="fr-FR" dirty="0" err="1" smtClean="0"/>
+              <a:t>event</a:t>
+            </a:r>
+            <a:r>
+              <a:rPr lang="fr-FR" dirty="0" smtClean="0"/>
+              <a:t> avec </a:t>
+            </a:r>
+            <a:r>
+              <a:rPr lang="fr-FR" dirty="0" err="1" smtClean="0"/>
+              <a:t>EventEmitter</a:t>
+            </a:r>
+            <a:endParaRPr lang="fr-FR" dirty="0" smtClean="0"/>
+          </a:p>
+          <a:p>
+            <a:endParaRPr lang="fr-FR" dirty="0" smtClean="0"/>
+          </a:p>
+          <a:p>
+            <a:endParaRPr lang="fr-FR" dirty="0" smtClean="0"/>
+          </a:p>
+          <a:p>
+            <a:pPr lvl="1"/>
+            <a:endParaRPr lang="fr-FR" dirty="0"/>
+          </a:p>
+        </p:txBody>
+      </p:sp>
+      <p:pic>
+        <p:nvPicPr>
+          <p:cNvPr id="4" name="Image 3"/>
+          <p:cNvPicPr>
+            <a:picLocks noChangeAspect="1"/>
+          </p:cNvPicPr>
+          <p:nvPr/>
+        </p:nvPicPr>
+        <p:blipFill>
+          <a:blip r:embed="rId2"/>
+          <a:stretch>
+            <a:fillRect/>
+          </a:stretch>
+        </p:blipFill>
+        <p:spPr>
+          <a:xfrm>
+            <a:off x="1475656" y="3068960"/>
+            <a:ext cx="6207339" cy="770756"/>
+          </a:xfrm>
+          <a:prstGeom prst="rect">
+            <a:avLst/>
+          </a:prstGeom>
+        </p:spPr>
+      </p:pic>
+      <p:pic>
+        <p:nvPicPr>
+          <p:cNvPr id="5" name="Image 4"/>
+          <p:cNvPicPr>
+            <a:picLocks noChangeAspect="1"/>
+          </p:cNvPicPr>
+          <p:nvPr/>
+        </p:nvPicPr>
+        <p:blipFill>
+          <a:blip r:embed="rId3"/>
+          <a:stretch>
+            <a:fillRect/>
+          </a:stretch>
+        </p:blipFill>
+        <p:spPr>
+          <a:xfrm>
+            <a:off x="1475656" y="4725143"/>
+            <a:ext cx="4320480" cy="1546535"/>
+          </a:xfrm>
+          <a:prstGeom prst="rect">
+            <a:avLst/>
+          </a:prstGeom>
+        </p:spPr>
+      </p:pic>
+    </p:spTree>
+    <p:extLst>
+      <p:ext uri="{BB962C8B-B14F-4D97-AF65-F5344CB8AC3E}">
+        <p14:creationId xmlns:p14="http://schemas.microsoft.com/office/powerpoint/2010/main" val="2933571031"/>
+      </p:ext>
+    </p:extLst>
+  </p:cSld>
+  <p:clrMapOvr>
+    <a:masterClrMapping/>
+  </p:clrMapOvr>
+</p:sld>
+</file>
+
+<file path=ppt/slides/slide13.xml><?xml version="1.0" encoding="utf-8"?>
+<p:sld xmlns:a="http://schemas.openxmlformats.org/drawingml/2006/main" xmlns:r="http://schemas.openxmlformats.org/officeDocument/2006/relationships" xmlns:p="http://schemas.openxmlformats.org/presentationml/2006/main">
+  <p:cSld>
+    <p:spTree>
+      <p:nvGrpSpPr>
+        <p:cNvPr id="1" name=""/>
+        <p:cNvGrpSpPr/>
+        <p:nvPr/>
+      </p:nvGrpSpPr>
+      <p:grpSpPr>
+        <a:xfrm>
+          <a:off x="0" y="0"/>
+          <a:ext cx="0" cy="0"/>
+          <a:chOff x="0" y="0"/>
+          <a:chExt cx="0" cy="0"/>
+        </a:xfrm>
+      </p:grpSpPr>
+      <p:sp>
+        <p:nvSpPr>
+          <p:cNvPr id="2" name="Titre 1"/>
+          <p:cNvSpPr>
+            <a:spLocks noGrp="1"/>
+          </p:cNvSpPr>
+          <p:nvPr>
+            <p:ph type="title"/>
+          </p:nvPr>
+        </p:nvSpPr>
+        <p:spPr/>
+        <p:txBody>
+          <a:bodyPr/>
+          <a:lstStyle/>
+          <a:p>
+            <a:r>
+              <a:rPr lang="fr-FR" dirty="0" smtClean="0"/>
+              <a:t>Template référence variable</a:t>
+            </a:r>
+            <a:endParaRPr lang="fr-FR" dirty="0"/>
+          </a:p>
+        </p:txBody>
+      </p:sp>
+      <p:sp>
+        <p:nvSpPr>
+          <p:cNvPr id="3" name="Espace réservé du contenu 2"/>
+          <p:cNvSpPr>
+            <a:spLocks noGrp="1"/>
+          </p:cNvSpPr>
+          <p:nvPr>
+            <p:ph idx="1"/>
+          </p:nvPr>
+        </p:nvSpPr>
+        <p:spPr/>
+        <p:txBody>
+          <a:bodyPr/>
+          <a:lstStyle/>
+          <a:p>
+            <a:r>
+              <a:rPr lang="fr-FR" dirty="0" smtClean="0"/>
+              <a:t>#</a:t>
+            </a:r>
+          </a:p>
+          <a:p>
+            <a:pPr lvl="1"/>
+            <a:r>
+              <a:rPr lang="fr-FR" dirty="0" smtClean="0"/>
+              <a:t>Permet d'ajouter un id </a:t>
+            </a:r>
+            <a:r>
+              <a:rPr lang="fr-FR" dirty="0" err="1"/>
+              <a:t>A</a:t>
+            </a:r>
+            <a:r>
+              <a:rPr lang="fr-FR" dirty="0" err="1" smtClean="0"/>
+              <a:t>ngular</a:t>
+            </a:r>
+            <a:r>
+              <a:rPr lang="fr-FR" dirty="0" smtClean="0"/>
+              <a:t> sur un élément</a:t>
+            </a:r>
+          </a:p>
+          <a:p>
+            <a:pPr lvl="1"/>
+            <a:r>
+              <a:rPr lang="en-US" dirty="0"/>
+              <a:t>&lt;input #phone placeholder="phone number</a:t>
+            </a:r>
+            <a:r>
+              <a:rPr lang="en-US" dirty="0" smtClean="0"/>
+              <a:t>"&gt;</a:t>
+            </a:r>
+          </a:p>
+          <a:p>
+            <a:pPr lvl="2"/>
+            <a:r>
+              <a:rPr lang="en-US" dirty="0" smtClean="0"/>
+              <a:t>A </a:t>
+            </a:r>
+            <a:r>
+              <a:rPr lang="en-US" dirty="0" err="1" smtClean="0"/>
+              <a:t>préférer</a:t>
+            </a:r>
+            <a:r>
+              <a:rPr lang="en-US" dirty="0" smtClean="0"/>
+              <a:t> à </a:t>
+            </a:r>
+          </a:p>
+          <a:p>
+            <a:pPr lvl="2"/>
+            <a:r>
+              <a:rPr lang="en-US" dirty="0"/>
+              <a:t>&lt;input </a:t>
+            </a:r>
+            <a:r>
+              <a:rPr lang="en-US" dirty="0" smtClean="0"/>
+              <a:t>id="phone" </a:t>
+            </a:r>
+            <a:r>
+              <a:rPr lang="en-US" dirty="0"/>
+              <a:t>placeholder="phone number</a:t>
+            </a:r>
+            <a:r>
+              <a:rPr lang="en-US" dirty="0" smtClean="0"/>
+              <a:t>"&gt;</a:t>
+            </a:r>
+          </a:p>
+          <a:p>
+            <a:r>
+              <a:rPr lang="en-US" dirty="0" smtClean="0"/>
+              <a:t>Pour </a:t>
+            </a:r>
+            <a:r>
+              <a:rPr lang="en-US" dirty="0" err="1" smtClean="0"/>
+              <a:t>retrouver</a:t>
+            </a:r>
+            <a:r>
+              <a:rPr lang="en-US" dirty="0" smtClean="0"/>
+              <a:t> </a:t>
+            </a:r>
+            <a:r>
+              <a:rPr lang="en-US" dirty="0" err="1" smtClean="0"/>
+              <a:t>une</a:t>
+            </a:r>
+            <a:r>
+              <a:rPr lang="en-US" dirty="0" smtClean="0"/>
+              <a:t> </a:t>
+            </a:r>
+            <a:r>
+              <a:rPr lang="en-US" dirty="0" err="1" smtClean="0"/>
+              <a:t>valeur</a:t>
+            </a:r>
+            <a:r>
+              <a:rPr lang="en-US" dirty="0" smtClean="0"/>
+              <a:t> </a:t>
+            </a:r>
+            <a:r>
+              <a:rPr lang="en-US" dirty="0" err="1" smtClean="0"/>
+              <a:t>dans</a:t>
+            </a:r>
+            <a:r>
+              <a:rPr lang="en-US" dirty="0" smtClean="0"/>
+              <a:t> le DOM</a:t>
+            </a:r>
+          </a:p>
+          <a:p>
+            <a:pPr lvl="1"/>
+            <a:r>
+              <a:rPr lang="en-US" dirty="0"/>
+              <a:t>&lt;button (click)="</a:t>
+            </a:r>
+            <a:r>
+              <a:rPr lang="en-US" dirty="0" err="1"/>
+              <a:t>callPhone</a:t>
+            </a:r>
+            <a:r>
+              <a:rPr lang="en-US" dirty="0"/>
+              <a:t>(</a:t>
+            </a:r>
+            <a:r>
+              <a:rPr lang="en-US" dirty="0" err="1"/>
+              <a:t>phone.value</a:t>
+            </a:r>
+            <a:r>
+              <a:rPr lang="en-US" dirty="0"/>
+              <a:t>)"&gt;Call&lt;/button</a:t>
+            </a:r>
+            <a:r>
+              <a:rPr lang="en-US" dirty="0" smtClean="0"/>
+              <a:t>&gt;</a:t>
+            </a:r>
+          </a:p>
+          <a:p>
+            <a:pPr lvl="1"/>
+            <a:r>
+              <a:rPr lang="en-US" dirty="0" err="1" smtClean="0"/>
+              <a:t>phone.value</a:t>
+            </a:r>
+            <a:r>
+              <a:rPr lang="en-US" dirty="0" smtClean="0"/>
+              <a:t> </a:t>
+            </a:r>
+            <a:r>
+              <a:rPr lang="en-US" dirty="0" err="1" smtClean="0"/>
+              <a:t>est</a:t>
+            </a:r>
+            <a:r>
+              <a:rPr lang="en-US" dirty="0" smtClean="0"/>
+              <a:t> la </a:t>
+            </a:r>
+            <a:r>
+              <a:rPr lang="en-US" dirty="0" err="1" smtClean="0"/>
+              <a:t>valeur</a:t>
+            </a:r>
+            <a:r>
+              <a:rPr lang="en-US" dirty="0" smtClean="0"/>
+              <a:t> de </a:t>
+            </a:r>
+            <a:r>
+              <a:rPr lang="en-US" dirty="0" err="1" smtClean="0"/>
+              <a:t>l'élément</a:t>
+            </a:r>
+            <a:r>
+              <a:rPr lang="en-US" dirty="0" smtClean="0"/>
+              <a:t> phone</a:t>
+            </a:r>
+          </a:p>
+          <a:p>
+            <a:pPr lvl="1"/>
+            <a:r>
+              <a:rPr lang="en-US" dirty="0" err="1" smtClean="0"/>
+              <a:t>Uniquement</a:t>
+            </a:r>
+            <a:r>
+              <a:rPr lang="en-US" dirty="0" smtClean="0"/>
+              <a:t> compatible avec # et non id</a:t>
+            </a:r>
+            <a:endParaRPr lang="en-US" dirty="0"/>
+          </a:p>
+          <a:p>
+            <a:endParaRPr lang="en-US" dirty="0"/>
+          </a:p>
+          <a:p>
+            <a:pPr lvl="2"/>
+            <a:endParaRPr lang="en-US" dirty="0" smtClean="0"/>
+          </a:p>
+          <a:p>
+            <a:pPr lvl="2"/>
+            <a:endParaRPr lang="en-US" dirty="0" smtClean="0"/>
+          </a:p>
+          <a:p>
+            <a:pPr lvl="2"/>
+            <a:endParaRPr lang="fr-FR" dirty="0"/>
+          </a:p>
+        </p:txBody>
+      </p:sp>
+    </p:spTree>
+    <p:extLst>
+      <p:ext uri="{BB962C8B-B14F-4D97-AF65-F5344CB8AC3E}">
+        <p14:creationId xmlns:p14="http://schemas.microsoft.com/office/powerpoint/2010/main" val="3461774444"/>
+      </p:ext>
+    </p:extLst>
+  </p:cSld>
+  <p:clrMapOvr>
+    <a:masterClrMapping/>
+  </p:clrMapOvr>
+</p:sld>
+</file>
+
+<file path=ppt/slides/slide14.xml><?xml version="1.0" encoding="utf-8"?>
+<p:sld xmlns:a="http://schemas.openxmlformats.org/drawingml/2006/main" xmlns:r="http://schemas.openxmlformats.org/officeDocument/2006/relationships" xmlns:p="http://schemas.openxmlformats.org/presentationml/2006/main">
+  <p:cSld>
+    <p:spTree>
+      <p:nvGrpSpPr>
+        <p:cNvPr id="1" name=""/>
+        <p:cNvGrpSpPr/>
+        <p:nvPr/>
+      </p:nvGrpSpPr>
+      <p:grpSpPr>
+        <a:xfrm>
+          <a:off x="0" y="0"/>
+          <a:ext cx="0" cy="0"/>
+          <a:chOff x="0" y="0"/>
+          <a:chExt cx="0" cy="0"/>
+        </a:xfrm>
+      </p:grpSpPr>
+      <p:sp>
+        <p:nvSpPr>
+          <p:cNvPr id="2" name="Titre 1"/>
+          <p:cNvSpPr>
+            <a:spLocks noGrp="1"/>
+          </p:cNvSpPr>
+          <p:nvPr>
+            <p:ph type="title"/>
+          </p:nvPr>
+        </p:nvSpPr>
+        <p:spPr/>
+        <p:txBody>
+          <a:bodyPr/>
+          <a:lstStyle/>
+          <a:p>
+            <a:r>
+              <a:rPr lang="fr-FR" dirty="0" smtClean="0"/>
+              <a:t>@Output</a:t>
+            </a:r>
+            <a:endParaRPr lang="fr-FR" dirty="0"/>
+          </a:p>
+        </p:txBody>
+      </p:sp>
+      <p:sp>
+        <p:nvSpPr>
+          <p:cNvPr id="3" name="Espace réservé du contenu 2"/>
+          <p:cNvSpPr>
+            <a:spLocks noGrp="1"/>
+          </p:cNvSpPr>
+          <p:nvPr>
+            <p:ph idx="1"/>
+          </p:nvPr>
+        </p:nvSpPr>
+        <p:spPr/>
+        <p:txBody>
+          <a:bodyPr/>
+          <a:lstStyle/>
+          <a:p>
+            <a:r>
+              <a:rPr lang="fr-FR" dirty="0" smtClean="0"/>
+              <a:t>@Output est l'inverse de @Input il est utile pour les évènements</a:t>
+            </a:r>
+          </a:p>
+          <a:p>
+            <a:endParaRPr lang="fr-FR" dirty="0"/>
+          </a:p>
+          <a:p>
+            <a:endParaRPr lang="fr-FR" dirty="0" smtClean="0"/>
+          </a:p>
+          <a:p>
+            <a:endParaRPr lang="fr-FR" dirty="0"/>
+          </a:p>
+          <a:p>
+            <a:r>
+              <a:rPr lang="fr-FR" dirty="0" smtClean="0"/>
+              <a:t>Appelable avec () car c'est un one </a:t>
+            </a:r>
+            <a:r>
+              <a:rPr lang="fr-FR" dirty="0" err="1" smtClean="0"/>
+              <a:t>way</a:t>
+            </a:r>
+            <a:r>
+              <a:rPr lang="fr-FR" dirty="0" smtClean="0"/>
+              <a:t> to source</a:t>
+            </a:r>
+          </a:p>
+          <a:p>
+            <a:endParaRPr lang="fr-FR" dirty="0" smtClean="0"/>
+          </a:p>
+          <a:p>
+            <a:endParaRPr lang="fr-FR" dirty="0" smtClean="0"/>
+          </a:p>
+          <a:p>
+            <a:endParaRPr lang="fr-FR" dirty="0"/>
+          </a:p>
+        </p:txBody>
+      </p:sp>
+      <p:pic>
+        <p:nvPicPr>
+          <p:cNvPr id="4" name="Image 3"/>
+          <p:cNvPicPr>
+            <a:picLocks noChangeAspect="1"/>
+          </p:cNvPicPr>
+          <p:nvPr/>
+        </p:nvPicPr>
+        <p:blipFill>
+          <a:blip r:embed="rId2"/>
+          <a:stretch>
+            <a:fillRect/>
+          </a:stretch>
+        </p:blipFill>
+        <p:spPr>
+          <a:xfrm>
+            <a:off x="1054472" y="2492896"/>
+            <a:ext cx="6375708" cy="1440160"/>
+          </a:xfrm>
+          <a:prstGeom prst="rect">
+            <a:avLst/>
+          </a:prstGeom>
+        </p:spPr>
+      </p:pic>
+      <p:pic>
+        <p:nvPicPr>
+          <p:cNvPr id="6" name="Image 5"/>
+          <p:cNvPicPr>
+            <a:picLocks noChangeAspect="1"/>
+          </p:cNvPicPr>
+          <p:nvPr/>
+        </p:nvPicPr>
+        <p:blipFill>
+          <a:blip r:embed="rId3"/>
+          <a:stretch>
+            <a:fillRect/>
+          </a:stretch>
+        </p:blipFill>
+        <p:spPr>
+          <a:xfrm>
+            <a:off x="1187623" y="4774096"/>
+            <a:ext cx="7245861" cy="1103176"/>
+          </a:xfrm>
+          <a:prstGeom prst="rect">
+            <a:avLst/>
+          </a:prstGeom>
+        </p:spPr>
+      </p:pic>
+    </p:spTree>
+    <p:extLst>
+      <p:ext uri="{BB962C8B-B14F-4D97-AF65-F5344CB8AC3E}">
+        <p14:creationId xmlns:p14="http://schemas.microsoft.com/office/powerpoint/2010/main" val="4100674082"/>
+      </p:ext>
+    </p:extLst>
+  </p:cSld>
+  <p:clrMapOvr>
+    <a:masterClrMapping/>
+  </p:clrMapOvr>
+</p:sld>
+</file>
+
+<file path=ppt/slides/slide15.xml><?xml version="1.0" encoding="utf-8"?>
+<p:sld xmlns:a="http://schemas.openxmlformats.org/drawingml/2006/main" xmlns:r="http://schemas.openxmlformats.org/officeDocument/2006/relationships" xmlns:p="http://schemas.openxmlformats.org/presentationml/2006/main">
+  <p:cSld>
+    <p:spTree>
+      <p:nvGrpSpPr>
+        <p:cNvPr id="1" name=""/>
+        <p:cNvGrpSpPr/>
+        <p:nvPr/>
+      </p:nvGrpSpPr>
+      <p:grpSpPr>
+        <a:xfrm>
+          <a:off x="0" y="0"/>
+          <a:ext cx="0" cy="0"/>
+          <a:chOff x="0" y="0"/>
+          <a:chExt cx="0" cy="0"/>
+        </a:xfrm>
+      </p:grpSpPr>
+      <p:sp>
+        <p:nvSpPr>
+          <p:cNvPr id="2" name="Titre 1"/>
+          <p:cNvSpPr>
+            <a:spLocks noGrp="1"/>
+          </p:cNvSpPr>
+          <p:nvPr>
+            <p:ph type="title"/>
+          </p:nvPr>
+        </p:nvSpPr>
+        <p:spPr/>
+        <p:txBody>
+          <a:bodyPr/>
+          <a:lstStyle/>
+          <a:p>
+            <a:r>
+              <a:rPr lang="fr-FR" dirty="0" smtClean="0"/>
+              <a:t>Cycle de vie</a:t>
+            </a:r>
+            <a:endParaRPr lang="fr-FR" dirty="0"/>
+          </a:p>
+        </p:txBody>
+      </p:sp>
+      <p:sp>
+        <p:nvSpPr>
+          <p:cNvPr id="3" name="Espace réservé du contenu 2"/>
+          <p:cNvSpPr>
+            <a:spLocks noGrp="1"/>
+          </p:cNvSpPr>
+          <p:nvPr>
+            <p:ph idx="1"/>
+          </p:nvPr>
+        </p:nvSpPr>
+        <p:spPr>
+          <a:xfrm>
+            <a:off x="179513" y="1412776"/>
+            <a:ext cx="5918236" cy="5040560"/>
+          </a:xfrm>
+        </p:spPr>
+        <p:txBody>
+          <a:bodyPr/>
+          <a:lstStyle/>
+          <a:p>
+            <a:r>
+              <a:rPr lang="fr-FR" dirty="0" smtClean="0"/>
+              <a:t>Le composant possède un cycle de vie complexe</a:t>
+            </a:r>
+          </a:p>
+          <a:p>
+            <a:pPr lvl="1"/>
+            <a:r>
+              <a:rPr lang="fr-FR" dirty="0" smtClean="0"/>
+              <a:t>Démarré par </a:t>
+            </a:r>
+            <a:r>
+              <a:rPr lang="fr-FR" dirty="0" err="1" smtClean="0"/>
+              <a:t>ngOnInit</a:t>
+            </a:r>
+            <a:endParaRPr lang="fr-FR" dirty="0" smtClean="0"/>
+          </a:p>
+          <a:p>
+            <a:pPr lvl="1"/>
+            <a:r>
+              <a:rPr lang="fr-FR" dirty="0" smtClean="0"/>
+              <a:t>Chacun de ses </a:t>
+            </a:r>
+            <a:r>
+              <a:rPr lang="fr-FR" dirty="0" err="1" smtClean="0"/>
+              <a:t>évenements</a:t>
+            </a:r>
+            <a:r>
+              <a:rPr lang="fr-FR" dirty="0" smtClean="0"/>
+              <a:t> peut être capturé</a:t>
+            </a:r>
+          </a:p>
+          <a:p>
+            <a:pPr lvl="1"/>
+            <a:r>
+              <a:rPr lang="fr-FR" dirty="0" smtClean="0"/>
+              <a:t>Par exemple</a:t>
+            </a:r>
+          </a:p>
+          <a:p>
+            <a:pPr lvl="1"/>
+            <a:r>
+              <a:rPr lang="fr-FR" dirty="0" err="1"/>
+              <a:t>ngOnDestroy</a:t>
+            </a:r>
+            <a:r>
+              <a:rPr lang="fr-FR" dirty="0"/>
+              <a:t>() { </a:t>
+            </a:r>
+            <a:r>
+              <a:rPr lang="fr-FR" dirty="0" err="1"/>
+              <a:t>this.logIt</a:t>
+            </a:r>
+            <a:r>
+              <a:rPr lang="fr-FR" dirty="0"/>
+              <a:t>(`</a:t>
+            </a:r>
+            <a:r>
+              <a:rPr lang="fr-FR" dirty="0" err="1"/>
+              <a:t>onDestroy</a:t>
+            </a:r>
+            <a:r>
+              <a:rPr lang="fr-FR" dirty="0"/>
+              <a:t>`); }</a:t>
+            </a:r>
+          </a:p>
+        </p:txBody>
+      </p:sp>
+      <p:pic>
+        <p:nvPicPr>
+          <p:cNvPr id="1026" name="Picture 2" descr="Peek-a-boo"/>
+          <p:cNvPicPr>
+            <a:picLocks noChangeAspect="1" noChangeArrowheads="1"/>
+          </p:cNvPicPr>
+          <p:nvPr/>
+        </p:nvPicPr>
+        <p:blipFill>
+          <a:blip r:embed="rId2">
+            <a:extLst>
+              <a:ext uri="{28A0092B-C50C-407E-A947-70E740481C1C}">
+                <a14:useLocalDpi xmlns:a14="http://schemas.microsoft.com/office/drawing/2010/main" val="0"/>
+              </a:ext>
+            </a:extLst>
+          </a:blip>
+          <a:srcRect/>
+          <a:stretch>
+            <a:fillRect/>
+          </a:stretch>
+        </p:blipFill>
+        <p:spPr bwMode="auto">
+          <a:xfrm>
+            <a:off x="6097748" y="2420888"/>
+            <a:ext cx="2943225" cy="3486151"/>
+          </a:xfrm>
+          <a:prstGeom prst="rect">
+            <a:avLst/>
+          </a:prstGeom>
+          <a:noFill/>
+          <a:extLst>
+            <a:ext uri="{909E8E84-426E-40DD-AFC4-6F175D3DCCD1}">
+              <a14:hiddenFill xmlns:a14="http://schemas.microsoft.com/office/drawing/2010/main">
+                <a:solidFill>
+                  <a:srgbClr val="FFFFFF"/>
+                </a:solidFill>
+              </a14:hiddenFill>
+            </a:ext>
+          </a:extLst>
+        </p:spPr>
+      </p:pic>
+    </p:spTree>
+    <p:extLst>
+      <p:ext uri="{BB962C8B-B14F-4D97-AF65-F5344CB8AC3E}">
+        <p14:creationId xmlns:p14="http://schemas.microsoft.com/office/powerpoint/2010/main" val="3194105657"/>
+      </p:ext>
+    </p:extLst>
+  </p:cSld>
+  <p:clrMapOvr>
+    <a:masterClrMapping/>
+  </p:clrMapOvr>
+</p:sld>
+</file>
+
 <file path=ppt/slides/slide2.xml><?xml version="1.0" encoding="utf-8"?>
 <p:sld xmlns:a="http://schemas.openxmlformats.org/drawingml/2006/main" xmlns:r="http://schemas.openxmlformats.org/officeDocument/2006/relationships" xmlns:p="http://schemas.openxmlformats.org/presentationml/2006/main">
   <p:cSld>
@@ -4008,7 +5155,7 @@
             </a:r>
             <a:r>
               <a:rPr lang="fr-FR" dirty="0" smtClean="0"/>
-              <a:t> de fortement découper le code en composant et modules</a:t>
+              <a:t> de fortement découper le code en composants et modules</a:t>
             </a:r>
           </a:p>
           <a:p>
@@ -4036,7 +5183,7 @@
           <a:p>
             <a:r>
               <a:rPr lang="fr-FR" dirty="0" smtClean="0"/>
-              <a:t>Ceci implique une communication entre composant</a:t>
+              <a:t>Ceci implique une communication entre composants</a:t>
             </a:r>
           </a:p>
           <a:p>
@@ -4064,6 +5211,13 @@
   <p:clrMapOvr>
     <a:masterClrMapping/>
   </p:clrMapOvr>
+  <p:timing>
+    <p:tnLst>
+      <p:par>
+        <p:cTn id="1" dur="indefinite" restart="never" nodeType="tmRoot"/>
+      </p:par>
+    </p:tnLst>
+  </p:timing>
 </p:sld>
 </file>
 
@@ -4246,6 +5400,13 @@
   <p:clrMapOvr>
     <a:masterClrMapping/>
   </p:clrMapOvr>
+  <p:timing>
+    <p:tnLst>
+      <p:par>
+        <p:cTn id="1" dur="indefinite" restart="never" nodeType="tmRoot"/>
+      </p:par>
+    </p:tnLst>
+  </p:timing>
 </p:sld>
 </file>
 
@@ -4283,7 +5444,7 @@
           <a:p>
             <a:r>
               <a:rPr lang="fr-FR" dirty="0" smtClean="0"/>
-              <a:t>Décorateur @Input</a:t>
+              <a:t>Inclusion d'un composant</a:t>
             </a:r>
             <a:endParaRPr lang="fr-FR" dirty="0"/>
           </a:p>
@@ -4306,13 +5467,30 @@
           <a:p>
             <a:r>
               <a:rPr lang="fr-FR" dirty="0" smtClean="0"/>
-              <a:t>Il est possible de passer des paramètres au composant</a:t>
-            </a:r>
-          </a:p>
-          <a:p>
-            <a:r>
-              <a:rPr lang="fr-FR" dirty="0" smtClean="0"/>
-              <a:t>Via la directive @Input qui décore un attribut</a:t>
+              <a:t>Un composant peut utiliser un composant</a:t>
+            </a:r>
+          </a:p>
+          <a:p>
+            <a:pPr lvl="1"/>
+            <a:r>
+              <a:rPr lang="fr-FR" dirty="0" smtClean="0"/>
+              <a:t>Il suffit d'ajouter la balise &lt;</a:t>
+            </a:r>
+            <a:r>
+              <a:rPr lang="fr-FR" dirty="0" err="1" smtClean="0"/>
+              <a:t>app-nomducomposant</a:t>
+            </a:r>
+            <a:r>
+              <a:rPr lang="fr-FR" dirty="0" smtClean="0"/>
+              <a:t>&gt;&lt;/</a:t>
+            </a:r>
+            <a:r>
+              <a:rPr lang="fr-FR" dirty="0" err="1" smtClean="0"/>
+              <a:t>app-nomducomposant</a:t>
+            </a:r>
+            <a:r>
+              <a:rPr lang="fr-FR" dirty="0" smtClean="0"/>
+              <a:t>&gt;</a:t>
             </a:r>
           </a:p>
           <a:p>
@@ -4324,58 +5502,73 @@
           <a:p>
             <a:pPr lvl="1"/>
             <a:r>
+              <a:rPr lang="fr-FR" dirty="0" smtClean="0"/>
+              <a:t>&lt;</a:t>
+            </a:r>
+            <a:r>
+              <a:rPr lang="fr-FR" dirty="0" err="1" smtClean="0"/>
+              <a:t>app-hero-detail</a:t>
+            </a:r>
+            <a:r>
+              <a:rPr lang="fr-FR" dirty="0" smtClean="0"/>
+              <a:t>&gt;&lt;/</a:t>
+            </a:r>
+            <a:r>
+              <a:rPr lang="fr-FR" dirty="0" err="1" smtClean="0"/>
+              <a:t>app-hero-detail</a:t>
+            </a:r>
+            <a:r>
               <a:rPr lang="fr-FR" dirty="0"/>
-              <a:t>@Input() </a:t>
-            </a:r>
-            <a:r>
-              <a:rPr lang="fr-FR" dirty="0" err="1"/>
-              <a:t>hero</a:t>
-            </a:r>
-            <a:r>
-              <a:rPr lang="fr-FR" dirty="0"/>
-              <a:t>: </a:t>
-            </a:r>
-            <a:r>
-              <a:rPr lang="fr-FR" dirty="0" err="1"/>
-              <a:t>Hero</a:t>
-            </a:r>
-            <a:r>
-              <a:rPr lang="fr-FR" dirty="0" smtClean="0"/>
-              <a:t>;</a:t>
-            </a:r>
-          </a:p>
-          <a:p>
-            <a:pPr lvl="1"/>
-            <a:r>
-              <a:rPr lang="fr-FR" dirty="0" smtClean="0"/>
-              <a:t>Input doit être au préalablement importé</a:t>
-            </a:r>
-          </a:p>
-          <a:p>
-            <a:pPr lvl="1"/>
-            <a:r>
-              <a:rPr lang="en-US" dirty="0"/>
-              <a:t>import { Component, </a:t>
-            </a:r>
-            <a:r>
-              <a:rPr lang="en-US" dirty="0" err="1"/>
-              <a:t>OnInit</a:t>
-            </a:r>
-            <a:r>
-              <a:rPr lang="en-US" dirty="0"/>
-              <a:t>, Input } from '@angular/core</a:t>
-            </a:r>
-            <a:r>
-              <a:rPr lang="en-US" dirty="0" smtClean="0"/>
-              <a:t>';</a:t>
+              <a:t>&gt;</a:t>
             </a:r>
           </a:p>
         </p:txBody>
       </p:sp>
+      <p:pic>
+        <p:nvPicPr>
+          <p:cNvPr id="1026" name="Picture 2" descr="Custom element in browser"/>
+          <p:cNvPicPr>
+            <a:picLocks noChangeAspect="1" noChangeArrowheads="1"/>
+          </p:cNvPicPr>
+          <p:nvPr/>
+        </p:nvPicPr>
+        <p:blipFill>
+          <a:blip r:embed="rId2">
+            <a:extLst>
+              <a:ext uri="{28A0092B-C50C-407E-A947-70E740481C1C}">
+                <a14:useLocalDpi xmlns:a14="http://schemas.microsoft.com/office/drawing/2010/main" val="0"/>
+              </a:ext>
+            </a:extLst>
+          </a:blip>
+          <a:srcRect/>
+          <a:stretch>
+            <a:fillRect/>
+          </a:stretch>
+        </p:blipFill>
+        <p:spPr bwMode="auto">
+          <a:xfrm>
+            <a:off x="1691680" y="3717032"/>
+            <a:ext cx="5459251" cy="3275552"/>
+          </a:xfrm>
+          <a:prstGeom prst="rect">
+            <a:avLst/>
+          </a:prstGeom>
+          <a:noFill/>
+          <a:extLst>
+            <a:ext uri="{909E8E84-426E-40DD-AFC4-6F175D3DCCD1}">
+              <a14:hiddenFill xmlns:a14="http://schemas.microsoft.com/office/drawing/2010/main">
+                <a:solidFill>
+                  <a:srgbClr val="FFFFFF"/>
+                </a:solidFill>
+              </a14:hiddenFill>
+            </a:ext>
+          </a:extLst>
+        </p:spPr>
+      </p:pic>
     </p:spTree>
     <p:extLst>
       <p:ext uri="{BB962C8B-B14F-4D97-AF65-F5344CB8AC3E}">
-        <p14:creationId xmlns:p14="http://schemas.microsoft.com/office/powerpoint/2010/main" val="11807370"/>
+        <p14:creationId xmlns:p14="http://schemas.microsoft.com/office/powerpoint/2010/main" val="3679477333"/>
       </p:ext>
     </p:extLst>
   </p:cSld>
@@ -4419,7 +5612,7 @@
           <a:p>
             <a:r>
               <a:rPr lang="fr-FR" dirty="0" smtClean="0"/>
-              <a:t>[ ]</a:t>
+              <a:t>Décorateur @Input</a:t>
             </a:r>
             <a:endParaRPr lang="fr-FR" dirty="0"/>
           </a:p>
@@ -4442,6 +5635,223 @@
           <a:p>
             <a:r>
               <a:rPr lang="fr-FR" dirty="0" smtClean="0"/>
+              <a:t>Il est possible de passer des paramètres au </a:t>
+            </a:r>
+            <a:r>
+              <a:rPr lang="fr-FR" dirty="0" smtClean="0"/>
+              <a:t>composant</a:t>
+            </a:r>
+          </a:p>
+          <a:p>
+            <a:pPr lvl="1"/>
+            <a:r>
+              <a:rPr lang="fr-FR" dirty="0" err="1" smtClean="0"/>
+              <a:t>Egelement</a:t>
+            </a:r>
+            <a:r>
+              <a:rPr lang="fr-FR" dirty="0" smtClean="0"/>
+              <a:t> valable pour les directives</a:t>
+            </a:r>
+            <a:endParaRPr lang="fr-FR" dirty="0" smtClean="0"/>
+          </a:p>
+          <a:p>
+            <a:r>
+              <a:rPr lang="fr-FR" dirty="0" smtClean="0"/>
+              <a:t>Via la directive @Input qui décore un attribut</a:t>
+            </a:r>
+          </a:p>
+          <a:p>
+            <a:r>
+              <a:rPr lang="fr-FR" dirty="0" smtClean="0"/>
+              <a:t>Exemple</a:t>
+            </a:r>
+          </a:p>
+          <a:p>
+            <a:pPr lvl="1"/>
+            <a:r>
+              <a:rPr lang="fr-FR" dirty="0"/>
+              <a:t>@Input() </a:t>
+            </a:r>
+            <a:r>
+              <a:rPr lang="fr-FR" dirty="0" err="1"/>
+              <a:t>hero</a:t>
+            </a:r>
+            <a:r>
+              <a:rPr lang="fr-FR" dirty="0"/>
+              <a:t>: </a:t>
+            </a:r>
+            <a:r>
+              <a:rPr lang="fr-FR" dirty="0" err="1"/>
+              <a:t>Hero</a:t>
+            </a:r>
+            <a:r>
+              <a:rPr lang="fr-FR" dirty="0" smtClean="0"/>
+              <a:t>;</a:t>
+            </a:r>
+          </a:p>
+          <a:p>
+            <a:pPr lvl="1"/>
+            <a:r>
+              <a:rPr lang="fr-FR" dirty="0" smtClean="0"/>
+              <a:t>Input doit être au préalablement importé</a:t>
+            </a:r>
+          </a:p>
+          <a:p>
+            <a:pPr lvl="1"/>
+            <a:r>
+              <a:rPr lang="en-US" dirty="0"/>
+              <a:t>import { Component, </a:t>
+            </a:r>
+            <a:r>
+              <a:rPr lang="en-US" dirty="0" err="1"/>
+              <a:t>OnInit</a:t>
+            </a:r>
+            <a:r>
+              <a:rPr lang="en-US" dirty="0"/>
+              <a:t>, Input } from '@angular/core</a:t>
+            </a:r>
+            <a:r>
+              <a:rPr lang="en-US" dirty="0" smtClean="0"/>
+              <a:t>';</a:t>
+            </a:r>
+          </a:p>
+          <a:p>
+            <a:r>
+              <a:rPr lang="en-US" dirty="0" err="1" smtClean="0"/>
+              <a:t>Peut</a:t>
+            </a:r>
+            <a:r>
+              <a:rPr lang="en-US" dirty="0" smtClean="0"/>
+              <a:t> </a:t>
+            </a:r>
+            <a:r>
+              <a:rPr lang="en-US" dirty="0" err="1" smtClean="0"/>
+              <a:t>être</a:t>
+            </a:r>
+            <a:r>
+              <a:rPr lang="en-US" dirty="0" smtClean="0"/>
+              <a:t> </a:t>
+            </a:r>
+            <a:r>
+              <a:rPr lang="en-US" dirty="0" err="1" smtClean="0"/>
+              <a:t>utilisé</a:t>
+            </a:r>
+            <a:r>
+              <a:rPr lang="en-US" dirty="0" smtClean="0"/>
+              <a:t> sur un setter</a:t>
+            </a:r>
+          </a:p>
+          <a:p>
+            <a:pPr lvl="1"/>
+            <a:endParaRPr lang="en-US" dirty="0" smtClean="0"/>
+          </a:p>
+          <a:p>
+            <a:pPr lvl="1"/>
+            <a:endParaRPr lang="en-US" dirty="0" smtClean="0"/>
+          </a:p>
+        </p:txBody>
+      </p:sp>
+      <p:pic>
+        <p:nvPicPr>
+          <p:cNvPr id="4" name="Image 3"/>
+          <p:cNvPicPr>
+            <a:picLocks noChangeAspect="1"/>
+          </p:cNvPicPr>
+          <p:nvPr/>
+        </p:nvPicPr>
+        <p:blipFill>
+          <a:blip r:embed="rId2"/>
+          <a:stretch>
+            <a:fillRect/>
+          </a:stretch>
+        </p:blipFill>
+        <p:spPr>
+          <a:xfrm>
+            <a:off x="2339752" y="5568289"/>
+            <a:ext cx="4752528" cy="1124482"/>
+          </a:xfrm>
+          <a:prstGeom prst="rect">
+            <a:avLst/>
+          </a:prstGeom>
+        </p:spPr>
+      </p:pic>
+    </p:spTree>
+    <p:extLst>
+      <p:ext uri="{BB962C8B-B14F-4D97-AF65-F5344CB8AC3E}">
+        <p14:creationId xmlns:p14="http://schemas.microsoft.com/office/powerpoint/2010/main" val="11807370"/>
+      </p:ext>
+    </p:extLst>
+  </p:cSld>
+  <p:clrMapOvr>
+    <a:masterClrMapping/>
+  </p:clrMapOvr>
+  <p:timing>
+    <p:tnLst>
+      <p:par>
+        <p:cTn id="1" dur="indefinite" restart="never" nodeType="tmRoot"/>
+      </p:par>
+    </p:tnLst>
+  </p:timing>
+</p:sld>
+</file>
+
+<file path=ppt/slides/slide6.xml><?xml version="1.0" encoding="utf-8"?>
+<p:sld xmlns:a="http://schemas.openxmlformats.org/drawingml/2006/main" xmlns:r="http://schemas.openxmlformats.org/officeDocument/2006/relationships" xmlns:p="http://schemas.openxmlformats.org/presentationml/2006/main">
+  <p:cSld>
+    <p:spTree>
+      <p:nvGrpSpPr>
+        <p:cNvPr id="1" name=""/>
+        <p:cNvGrpSpPr/>
+        <p:nvPr/>
+      </p:nvGrpSpPr>
+      <p:grpSpPr>
+        <a:xfrm>
+          <a:off x="0" y="0"/>
+          <a:ext cx="0" cy="0"/>
+          <a:chOff x="0" y="0"/>
+          <a:chExt cx="0" cy="0"/>
+        </a:xfrm>
+      </p:grpSpPr>
+      <p:sp>
+        <p:nvSpPr>
+          <p:cNvPr id="2" name="Titre 1"/>
+          <p:cNvSpPr>
+            <a:spLocks noGrp="1"/>
+          </p:cNvSpPr>
+          <p:nvPr>
+            <p:ph type="title"/>
+          </p:nvPr>
+        </p:nvSpPr>
+        <p:spPr/>
+        <p:txBody>
+          <a:bodyPr/>
+          <a:lstStyle/>
+          <a:p>
+            <a:r>
+              <a:rPr lang="fr-FR" dirty="0" smtClean="0"/>
+              <a:t>[ ]</a:t>
+            </a:r>
+            <a:endParaRPr lang="fr-FR" dirty="0"/>
+          </a:p>
+        </p:txBody>
+      </p:sp>
+      <p:sp>
+        <p:nvSpPr>
+          <p:cNvPr id="3" name="Espace réservé du contenu 2"/>
+          <p:cNvSpPr>
+            <a:spLocks noGrp="1"/>
+          </p:cNvSpPr>
+          <p:nvPr>
+            <p:ph idx="1"/>
+          </p:nvPr>
+        </p:nvSpPr>
+        <p:spPr/>
+        <p:txBody>
+          <a:bodyPr/>
+          <a:lstStyle/>
+          <a:p>
+            <a:r>
+              <a:rPr lang="fr-FR" dirty="0" smtClean="0"/>
               <a:t>Le passage de paramètre d’un composant se fait via [ ]</a:t>
             </a:r>
           </a:p>
@@ -4449,13 +5859,8 @@
             <a:pPr lvl="1"/>
             <a:r>
               <a:rPr lang="fr-FR" dirty="0" smtClean="0"/>
-              <a:t>@</a:t>
-            </a:r>
-            <a:r>
-              <a:rPr lang="fr-FR" smtClean="0"/>
-              <a:t>Input obligatoire</a:t>
-            </a:r>
-            <a:endParaRPr lang="fr-FR" dirty="0" smtClean="0"/>
+              <a:t>@Input obligatoire</a:t>
+            </a:r>
           </a:p>
           <a:p>
             <a:r>
@@ -4498,9 +5903,20 @@
               <a:t>app-hero-detail</a:t>
             </a:r>
             <a:r>
-              <a:rPr lang="fr-FR" dirty="0"/>
+              <a:rPr lang="fr-FR" dirty="0" smtClean="0"/>
               <a:t>&gt;</a:t>
             </a:r>
+          </a:p>
+          <a:p>
+            <a:r>
+              <a:rPr lang="fr-FR" dirty="0" smtClean="0"/>
+              <a:t>Il s'agit en fait d'une autre écriture du binding one </a:t>
+            </a:r>
+            <a:r>
+              <a:rPr lang="fr-FR" dirty="0" err="1" smtClean="0"/>
+              <a:t>way</a:t>
+            </a:r>
+            <a:endParaRPr lang="fr-FR" dirty="0"/>
           </a:p>
           <a:p>
             <a:endParaRPr lang="fr-FR" dirty="0"/>
@@ -4511,6 +5927,549 @@
     <p:extLst>
       <p:ext uri="{BB962C8B-B14F-4D97-AF65-F5344CB8AC3E}">
         <p14:creationId xmlns:p14="http://schemas.microsoft.com/office/powerpoint/2010/main" val="3491855755"/>
+      </p:ext>
+    </p:extLst>
+  </p:cSld>
+  <p:clrMapOvr>
+    <a:masterClrMapping/>
+  </p:clrMapOvr>
+  <p:timing>
+    <p:tnLst>
+      <p:par>
+        <p:cTn id="1" dur="indefinite" restart="never" nodeType="tmRoot"/>
+      </p:par>
+    </p:tnLst>
+  </p:timing>
+</p:sld>
+</file>
+
+<file path=ppt/slides/slide7.xml><?xml version="1.0" encoding="utf-8"?>
+<p:sld xmlns:a="http://schemas.openxmlformats.org/drawingml/2006/main" xmlns:r="http://schemas.openxmlformats.org/officeDocument/2006/relationships" xmlns:p="http://schemas.openxmlformats.org/presentationml/2006/main">
+  <p:cSld>
+    <p:spTree>
+      <p:nvGrpSpPr>
+        <p:cNvPr id="1" name=""/>
+        <p:cNvGrpSpPr/>
+        <p:nvPr/>
+      </p:nvGrpSpPr>
+      <p:grpSpPr>
+        <a:xfrm>
+          <a:off x="0" y="0"/>
+          <a:ext cx="0" cy="0"/>
+          <a:chOff x="0" y="0"/>
+          <a:chExt cx="0" cy="0"/>
+        </a:xfrm>
+      </p:grpSpPr>
+      <p:sp>
+        <p:nvSpPr>
+          <p:cNvPr id="2" name="Titre 1"/>
+          <p:cNvSpPr>
+            <a:spLocks noGrp="1"/>
+          </p:cNvSpPr>
+          <p:nvPr>
+            <p:ph type="title"/>
+          </p:nvPr>
+        </p:nvSpPr>
+        <p:spPr/>
+        <p:txBody>
+          <a:bodyPr/>
+          <a:lstStyle/>
+          <a:p>
+            <a:r>
+              <a:rPr lang="fr-FR" dirty="0" smtClean="0"/>
+              <a:t>Propriétés</a:t>
+            </a:r>
+            <a:endParaRPr lang="fr-FR" dirty="0"/>
+          </a:p>
+        </p:txBody>
+      </p:sp>
+      <p:sp>
+        <p:nvSpPr>
+          <p:cNvPr id="3" name="Espace réservé du contenu 2"/>
+          <p:cNvSpPr>
+            <a:spLocks noGrp="1"/>
+          </p:cNvSpPr>
+          <p:nvPr>
+            <p:ph idx="1"/>
+          </p:nvPr>
+        </p:nvSpPr>
+        <p:spPr/>
+        <p:txBody>
+          <a:bodyPr/>
+          <a:lstStyle/>
+          <a:p>
+            <a:r>
+              <a:rPr lang="fr-FR" dirty="0" smtClean="0"/>
+              <a:t>Propriété d'élément</a:t>
+            </a:r>
+          </a:p>
+          <a:p>
+            <a:pPr lvl="1"/>
+            <a:r>
+              <a:rPr lang="fr-FR" dirty="0"/>
+              <a:t>&lt;</a:t>
+            </a:r>
+            <a:r>
+              <a:rPr lang="fr-FR" dirty="0" err="1"/>
+              <a:t>img</a:t>
+            </a:r>
+            <a:r>
+              <a:rPr lang="fr-FR" dirty="0"/>
+              <a:t> [</a:t>
+            </a:r>
+            <a:r>
+              <a:rPr lang="fr-FR" dirty="0" err="1"/>
+              <a:t>src</a:t>
+            </a:r>
+            <a:r>
+              <a:rPr lang="fr-FR" dirty="0"/>
+              <a:t>]="</a:t>
+            </a:r>
+            <a:r>
+              <a:rPr lang="fr-FR" dirty="0" err="1"/>
+              <a:t>heroImageUrl</a:t>
+            </a:r>
+            <a:r>
+              <a:rPr lang="fr-FR" dirty="0" smtClean="0"/>
+              <a:t>"&gt;</a:t>
+            </a:r>
+          </a:p>
+          <a:p>
+            <a:r>
+              <a:rPr lang="fr-FR" dirty="0" smtClean="0"/>
+              <a:t>Propriété de composant</a:t>
+            </a:r>
+            <a:endParaRPr lang="fr-FR" dirty="0"/>
+          </a:p>
+          <a:p>
+            <a:pPr lvl="1"/>
+            <a:r>
+              <a:rPr lang="fr-FR" dirty="0"/>
+              <a:t>&lt;</a:t>
+            </a:r>
+            <a:r>
+              <a:rPr lang="fr-FR" dirty="0" err="1"/>
+              <a:t>app-hero-detail</a:t>
+            </a:r>
+            <a:r>
+              <a:rPr lang="fr-FR" dirty="0"/>
+              <a:t> [</a:t>
+            </a:r>
+            <a:r>
+              <a:rPr lang="fr-FR" dirty="0" err="1"/>
+              <a:t>hero</a:t>
+            </a:r>
+            <a:r>
+              <a:rPr lang="fr-FR" dirty="0"/>
+              <a:t>]="</a:t>
+            </a:r>
+            <a:r>
+              <a:rPr lang="fr-FR" dirty="0" err="1"/>
+              <a:t>currentHero</a:t>
+            </a:r>
+            <a:r>
+              <a:rPr lang="fr-FR" dirty="0"/>
+              <a:t>"&gt;&lt;/</a:t>
+            </a:r>
+            <a:r>
+              <a:rPr lang="fr-FR" dirty="0" err="1"/>
+              <a:t>app-hero-detail</a:t>
+            </a:r>
+            <a:r>
+              <a:rPr lang="fr-FR" dirty="0"/>
+              <a:t>&gt;</a:t>
+            </a:r>
+          </a:p>
+          <a:p>
+            <a:r>
+              <a:rPr lang="fr-FR" dirty="0" smtClean="0"/>
+              <a:t>Propriété de directive</a:t>
+            </a:r>
+          </a:p>
+          <a:p>
+            <a:pPr lvl="1"/>
+            <a:r>
+              <a:rPr lang="fr-FR" dirty="0" smtClean="0"/>
+              <a:t>&lt;</a:t>
+            </a:r>
+            <a:r>
+              <a:rPr lang="fr-FR" dirty="0"/>
+              <a:t>div [</a:t>
+            </a:r>
+            <a:r>
+              <a:rPr lang="fr-FR" dirty="0" err="1"/>
+              <a:t>ngClass</a:t>
+            </a:r>
+            <a:r>
+              <a:rPr lang="fr-FR" dirty="0"/>
+              <a:t>]="{'</a:t>
+            </a:r>
+            <a:r>
+              <a:rPr lang="fr-FR" dirty="0" err="1"/>
+              <a:t>special</a:t>
+            </a:r>
+            <a:r>
+              <a:rPr lang="fr-FR" dirty="0"/>
+              <a:t>': </a:t>
+            </a:r>
+            <a:r>
+              <a:rPr lang="fr-FR" dirty="0" err="1"/>
+              <a:t>isSpecial</a:t>
+            </a:r>
+            <a:r>
+              <a:rPr lang="fr-FR" dirty="0"/>
+              <a:t>}"&gt;&lt;/div&gt;</a:t>
+            </a:r>
+          </a:p>
+        </p:txBody>
+      </p:sp>
+    </p:spTree>
+    <p:extLst>
+      <p:ext uri="{BB962C8B-B14F-4D97-AF65-F5344CB8AC3E}">
+        <p14:creationId xmlns:p14="http://schemas.microsoft.com/office/powerpoint/2010/main" val="3506471584"/>
+      </p:ext>
+    </p:extLst>
+  </p:cSld>
+  <p:clrMapOvr>
+    <a:masterClrMapping/>
+  </p:clrMapOvr>
+</p:sld>
+</file>
+
+<file path=ppt/slides/slide8.xml><?xml version="1.0" encoding="utf-8"?>
+<p:sld xmlns:a="http://schemas.openxmlformats.org/drawingml/2006/main" xmlns:r="http://schemas.openxmlformats.org/officeDocument/2006/relationships" xmlns:p="http://schemas.openxmlformats.org/presentationml/2006/main">
+  <p:cSld>
+    <p:spTree>
+      <p:nvGrpSpPr>
+        <p:cNvPr id="1" name=""/>
+        <p:cNvGrpSpPr/>
+        <p:nvPr/>
+      </p:nvGrpSpPr>
+      <p:grpSpPr>
+        <a:xfrm>
+          <a:off x="0" y="0"/>
+          <a:ext cx="0" cy="0"/>
+          <a:chOff x="0" y="0"/>
+          <a:chExt cx="0" cy="0"/>
+        </a:xfrm>
+      </p:grpSpPr>
+      <p:sp>
+        <p:nvSpPr>
+          <p:cNvPr id="2" name="Titre 1"/>
+          <p:cNvSpPr>
+            <a:spLocks noGrp="1"/>
+          </p:cNvSpPr>
+          <p:nvPr>
+            <p:ph type="title"/>
+          </p:nvPr>
+        </p:nvSpPr>
+        <p:spPr/>
+        <p:txBody>
+          <a:bodyPr/>
+          <a:lstStyle/>
+          <a:p>
+            <a:r>
+              <a:rPr lang="fr-FR" dirty="0" smtClean="0"/>
+              <a:t>Evènements</a:t>
+            </a:r>
+            <a:endParaRPr lang="fr-FR" dirty="0"/>
+          </a:p>
+        </p:txBody>
+      </p:sp>
+      <p:sp>
+        <p:nvSpPr>
+          <p:cNvPr id="3" name="Espace réservé du contenu 2"/>
+          <p:cNvSpPr>
+            <a:spLocks noGrp="1"/>
+          </p:cNvSpPr>
+          <p:nvPr>
+            <p:ph idx="1"/>
+          </p:nvPr>
+        </p:nvSpPr>
+        <p:spPr/>
+        <p:txBody>
+          <a:bodyPr/>
+          <a:lstStyle/>
+          <a:p>
+            <a:r>
+              <a:rPr lang="fr-FR" dirty="0" err="1" smtClean="0"/>
+              <a:t>Element</a:t>
+            </a:r>
+            <a:r>
+              <a:rPr lang="fr-FR" dirty="0" smtClean="0"/>
+              <a:t> </a:t>
+            </a:r>
+            <a:r>
+              <a:rPr lang="fr-FR" dirty="0" err="1" smtClean="0"/>
+              <a:t>event</a:t>
+            </a:r>
+            <a:endParaRPr lang="fr-FR" dirty="0" smtClean="0"/>
+          </a:p>
+          <a:p>
+            <a:pPr lvl="1"/>
+            <a:r>
+              <a:rPr lang="fr-FR" dirty="0"/>
+              <a:t>&lt;</a:t>
+            </a:r>
+            <a:r>
+              <a:rPr lang="fr-FR" dirty="0" err="1"/>
+              <a:t>button</a:t>
+            </a:r>
+            <a:r>
+              <a:rPr lang="fr-FR" dirty="0"/>
+              <a:t> (click)="</a:t>
+            </a:r>
+            <a:r>
+              <a:rPr lang="fr-FR" dirty="0" err="1"/>
+              <a:t>onSave</a:t>
+            </a:r>
+            <a:r>
+              <a:rPr lang="fr-FR" dirty="0"/>
+              <a:t>()"&gt;Save&lt;/</a:t>
+            </a:r>
+            <a:r>
+              <a:rPr lang="fr-FR" dirty="0" err="1"/>
+              <a:t>button</a:t>
+            </a:r>
+            <a:r>
+              <a:rPr lang="fr-FR" dirty="0"/>
+              <a:t>&gt;</a:t>
+            </a:r>
+          </a:p>
+          <a:p>
+            <a:r>
+              <a:rPr lang="fr-FR" dirty="0" smtClean="0"/>
+              <a:t>Component </a:t>
+            </a:r>
+            <a:r>
+              <a:rPr lang="fr-FR" dirty="0" err="1" smtClean="0"/>
+              <a:t>event</a:t>
+            </a:r>
+            <a:endParaRPr lang="fr-FR" dirty="0" smtClean="0"/>
+          </a:p>
+          <a:p>
+            <a:pPr lvl="1"/>
+            <a:r>
+              <a:rPr lang="fr-FR" dirty="0" smtClean="0"/>
+              <a:t>&lt;</a:t>
+            </a:r>
+            <a:r>
+              <a:rPr lang="fr-FR" dirty="0" err="1"/>
+              <a:t>app-hero-detail</a:t>
+            </a:r>
+            <a:r>
+              <a:rPr lang="fr-FR" dirty="0"/>
+              <a:t> (</a:t>
+            </a:r>
+            <a:r>
+              <a:rPr lang="fr-FR" dirty="0" err="1"/>
+              <a:t>deleteRequest</a:t>
+            </a:r>
+            <a:r>
+              <a:rPr lang="fr-FR" dirty="0"/>
+              <a:t>)="</a:t>
+            </a:r>
+            <a:r>
+              <a:rPr lang="fr-FR" dirty="0" err="1"/>
+              <a:t>deleteHero</a:t>
+            </a:r>
+            <a:r>
+              <a:rPr lang="fr-FR" dirty="0"/>
+              <a:t>()"&gt;&lt;/</a:t>
+            </a:r>
+            <a:r>
+              <a:rPr lang="fr-FR" dirty="0" err="1"/>
+              <a:t>app-hero-detail</a:t>
+            </a:r>
+            <a:r>
+              <a:rPr lang="fr-FR" dirty="0"/>
+              <a:t>&gt;</a:t>
+            </a:r>
+          </a:p>
+          <a:p>
+            <a:r>
+              <a:rPr lang="fr-FR" dirty="0" smtClean="0"/>
+              <a:t>Directive </a:t>
+            </a:r>
+            <a:r>
+              <a:rPr lang="fr-FR" dirty="0" err="1" smtClean="0"/>
+              <a:t>event</a:t>
+            </a:r>
+            <a:endParaRPr lang="fr-FR" dirty="0" smtClean="0"/>
+          </a:p>
+          <a:p>
+            <a:pPr lvl="1"/>
+            <a:r>
+              <a:rPr lang="fr-FR" dirty="0" smtClean="0"/>
+              <a:t>&lt;</a:t>
+            </a:r>
+            <a:r>
+              <a:rPr lang="fr-FR" dirty="0"/>
+              <a:t>div (</a:t>
+            </a:r>
+            <a:r>
+              <a:rPr lang="fr-FR" dirty="0" err="1"/>
+              <a:t>myClick</a:t>
+            </a:r>
+            <a:r>
+              <a:rPr lang="fr-FR" dirty="0"/>
+              <a:t>)="</a:t>
+            </a:r>
+            <a:r>
+              <a:rPr lang="fr-FR" dirty="0" err="1"/>
+              <a:t>clicked</a:t>
+            </a:r>
+            <a:r>
+              <a:rPr lang="fr-FR" dirty="0"/>
+              <a:t>=$</a:t>
+            </a:r>
+            <a:r>
+              <a:rPr lang="fr-FR" dirty="0" err="1"/>
+              <a:t>event</a:t>
+            </a:r>
+            <a:r>
+              <a:rPr lang="fr-FR" dirty="0"/>
+              <a:t>" </a:t>
+            </a:r>
+            <a:r>
+              <a:rPr lang="fr-FR" dirty="0" err="1"/>
+              <a:t>clickable</a:t>
+            </a:r>
+            <a:r>
+              <a:rPr lang="fr-FR" dirty="0"/>
+              <a:t>&gt;click me&lt;/div&gt;</a:t>
+            </a:r>
+          </a:p>
+        </p:txBody>
+      </p:sp>
+    </p:spTree>
+    <p:extLst>
+      <p:ext uri="{BB962C8B-B14F-4D97-AF65-F5344CB8AC3E}">
+        <p14:creationId xmlns:p14="http://schemas.microsoft.com/office/powerpoint/2010/main" val="3955608741"/>
+      </p:ext>
+    </p:extLst>
+  </p:cSld>
+  <p:clrMapOvr>
+    <a:masterClrMapping/>
+  </p:clrMapOvr>
+</p:sld>
+</file>
+
+<file path=ppt/slides/slide9.xml><?xml version="1.0" encoding="utf-8"?>
+<p:sld xmlns:a="http://schemas.openxmlformats.org/drawingml/2006/main" xmlns:r="http://schemas.openxmlformats.org/officeDocument/2006/relationships" xmlns:p="http://schemas.openxmlformats.org/presentationml/2006/main">
+  <p:cSld>
+    <p:spTree>
+      <p:nvGrpSpPr>
+        <p:cNvPr id="1" name=""/>
+        <p:cNvGrpSpPr/>
+        <p:nvPr/>
+      </p:nvGrpSpPr>
+      <p:grpSpPr>
+        <a:xfrm>
+          <a:off x="0" y="0"/>
+          <a:ext cx="0" cy="0"/>
+          <a:chOff x="0" y="0"/>
+          <a:chExt cx="0" cy="0"/>
+        </a:xfrm>
+      </p:grpSpPr>
+      <p:sp>
+        <p:nvSpPr>
+          <p:cNvPr id="2" name="Titre 1"/>
+          <p:cNvSpPr>
+            <a:spLocks noGrp="1"/>
+          </p:cNvSpPr>
+          <p:nvPr>
+            <p:ph type="title"/>
+          </p:nvPr>
+        </p:nvSpPr>
+        <p:spPr/>
+        <p:txBody>
+          <a:bodyPr/>
+          <a:lstStyle/>
+          <a:p>
+            <a:r>
+              <a:rPr lang="fr-FR" dirty="0" smtClean="0"/>
+              <a:t>Binding </a:t>
+            </a:r>
+            <a:r>
+              <a:rPr lang="fr-FR" dirty="0" err="1" smtClean="0"/>
+              <a:t>two-way</a:t>
+            </a:r>
+            <a:endParaRPr lang="fr-FR" dirty="0"/>
+          </a:p>
+        </p:txBody>
+      </p:sp>
+      <p:sp>
+        <p:nvSpPr>
+          <p:cNvPr id="3" name="Espace réservé du contenu 2"/>
+          <p:cNvSpPr>
+            <a:spLocks noGrp="1"/>
+          </p:cNvSpPr>
+          <p:nvPr>
+            <p:ph idx="1"/>
+          </p:nvPr>
+        </p:nvSpPr>
+        <p:spPr/>
+        <p:txBody>
+          <a:bodyPr/>
+          <a:lstStyle/>
+          <a:p>
+            <a:r>
+              <a:rPr lang="fr-FR" dirty="0" smtClean="0"/>
+              <a:t>Le binding </a:t>
+            </a:r>
+            <a:r>
+              <a:rPr lang="fr-FR" dirty="0" err="1" smtClean="0"/>
+              <a:t>two-way</a:t>
+            </a:r>
+            <a:r>
+              <a:rPr lang="fr-FR" dirty="0" smtClean="0"/>
+              <a:t> marche dans les 2 sens</a:t>
+            </a:r>
+          </a:p>
+          <a:p>
+            <a:pPr lvl="1"/>
+            <a:r>
+              <a:rPr lang="fr-FR" dirty="0"/>
+              <a:t>[(</a:t>
+            </a:r>
+            <a:r>
+              <a:rPr lang="fr-FR" dirty="0" err="1"/>
+              <a:t>target</a:t>
+            </a:r>
+            <a:r>
+              <a:rPr lang="fr-FR" dirty="0"/>
+              <a:t>)]="expression"</a:t>
+            </a:r>
+          </a:p>
+          <a:p>
+            <a:pPr lvl="1"/>
+            <a:r>
+              <a:rPr lang="fr-FR" dirty="0" err="1"/>
+              <a:t>bindon-target</a:t>
+            </a:r>
+            <a:r>
+              <a:rPr lang="fr-FR" dirty="0"/>
+              <a:t>="expression</a:t>
+            </a:r>
+            <a:r>
+              <a:rPr lang="fr-FR" dirty="0" smtClean="0"/>
+              <a:t>"</a:t>
+            </a:r>
+          </a:p>
+          <a:p>
+            <a:r>
+              <a:rPr lang="fr-FR" dirty="0" smtClean="0"/>
+              <a:t>[()] = Banana in a box</a:t>
+            </a:r>
+            <a:endParaRPr lang="fr-FR" dirty="0"/>
+          </a:p>
+        </p:txBody>
+      </p:sp>
+    </p:spTree>
+    <p:extLst>
+      <p:ext uri="{BB962C8B-B14F-4D97-AF65-F5344CB8AC3E}">
+        <p14:creationId xmlns:p14="http://schemas.microsoft.com/office/powerpoint/2010/main" val="4070976005"/>
       </p:ext>
     </p:extLst>
   </p:cSld>
